--- a/Project presentation/presentation .pptx
+++ b/Project presentation/presentation .pptx
@@ -262,7 +262,7 @@
       <p15:sldGuideLst xmlns:p15="http://schemas.microsoft.com/office/powerpoint/2012/main"/>
     </p:ext>
     <p:ext uri="GoogleSlidesCustomDataVersion2">
-      <go:slidesCustomData xmlns:go="http://customooxmlschemas.google.com/" xmlns:ahyp="http://schemas.microsoft.com/office/drawing/2018/hyperlinkcolor" xmlns:p15="http://schemas.microsoft.com/office/powerpoint/2012/main" xmlns:p14="http://schemas.microsoft.com/office/powerpoint/2010/main" xmlns:com="http://schemas.openxmlformats.org/drawingml/2006/compatibility" xmlns:pvml="urn:schemas-microsoft-com:office:powerpoint" xmlns:v="urn:schemas-microsoft-com:vml" xmlns:o="urn:schemas-microsoft-com:office:office" xmlns:dgm="http://schemas.openxmlformats.org/drawingml/2006/diagram" xmlns:c="http://schemas.openxmlformats.org/drawingml/2006/chart" xmlns:mv="urn:schemas-microsoft-com:mac:vml" xmlns:mc="http://schemas.openxmlformats.org/markup-compatibility/2006" xmlns="" r:id="rId21" roundtripDataSignature="AMtx7mjOmBtk5DbvnkierGKxpb4ZbKw0WQ=="/>
+      <go:slidesCustomData xmlns="" xmlns:mc="http://schemas.openxmlformats.org/markup-compatibility/2006" xmlns:mv="urn:schemas-microsoft-com:mac:vml" xmlns:c="http://schemas.openxmlformats.org/drawingml/2006/chart" xmlns:dgm="http://schemas.openxmlformats.org/drawingml/2006/diagram" xmlns:o="urn:schemas-microsoft-com:office:office" xmlns:v="urn:schemas-microsoft-com:vml" xmlns:pvml="urn:schemas-microsoft-com:office:powerpoint" xmlns:com="http://schemas.openxmlformats.org/drawingml/2006/compatibility" xmlns:p14="http://schemas.microsoft.com/office/powerpoint/2010/main" xmlns:p15="http://schemas.microsoft.com/office/powerpoint/2012/main" xmlns:ahyp="http://schemas.microsoft.com/office/drawing/2018/hyperlinkcolor" xmlns:go="http://customooxmlschemas.google.com/" r:id="rId21" roundtripDataSignature="AMtx7mjOmBtk5DbvnkierGKxpb4ZbKw0WQ=="/>
     </p:ext>
   </p:extLst>
 </p:presentation>
@@ -16316,7 +16316,7 @@
         <p:spPr>
           <a:xfrm>
             <a:off x="7905751" y="1841921"/>
-            <a:ext cx="3660776" cy="3284041"/>
+            <a:ext cx="3660776" cy="2960875"/>
           </a:xfrm>
           <a:prstGeom prst="rect">
             <a:avLst/>
@@ -16442,20 +16442,7 @@
             </a:pPr>
             <a:r>
               <a:rPr lang="en-US" dirty="0"/>
-              <a:t> Price Statistical Calculations</a:t>
-            </a:r>
-          </a:p>
-          <a:p>
-            <a:pPr marL="285750" indent="-285750">
-              <a:lnSpc>
-                <a:spcPct val="150000"/>
-              </a:lnSpc>
-              <a:buFont typeface="Arial" panose="020B0604020202020204" pitchFamily="34" charset="0"/>
-              <a:buChar char="•"/>
-            </a:pPr>
-            <a:r>
-              <a:rPr lang="en-US" dirty="0"/>
-              <a:t> Revenue Statistical Calculations</a:t>
+              <a:t>Revenue Statistical Calculations</a:t>
             </a:r>
           </a:p>
         </p:txBody>

--- a/Project presentation/presentation .pptx
+++ b/Project presentation/presentation .pptx
@@ -262,7 +262,7 @@
       <p15:sldGuideLst xmlns:p15="http://schemas.microsoft.com/office/powerpoint/2012/main"/>
     </p:ext>
     <p:ext uri="GoogleSlidesCustomDataVersion2">
-      <go:slidesCustomData xmlns="" xmlns:mc="http://schemas.openxmlformats.org/markup-compatibility/2006" xmlns:mv="urn:schemas-microsoft-com:mac:vml" xmlns:c="http://schemas.openxmlformats.org/drawingml/2006/chart" xmlns:dgm="http://schemas.openxmlformats.org/drawingml/2006/diagram" xmlns:o="urn:schemas-microsoft-com:office:office" xmlns:v="urn:schemas-microsoft-com:vml" xmlns:pvml="urn:schemas-microsoft-com:office:powerpoint" xmlns:com="http://schemas.openxmlformats.org/drawingml/2006/compatibility" xmlns:p14="http://schemas.microsoft.com/office/powerpoint/2010/main" xmlns:p15="http://schemas.microsoft.com/office/powerpoint/2012/main" xmlns:ahyp="http://schemas.microsoft.com/office/drawing/2018/hyperlinkcolor" xmlns:go="http://customooxmlschemas.google.com/" r:id="rId21" roundtripDataSignature="AMtx7mjOmBtk5DbvnkierGKxpb4ZbKw0WQ=="/>
+      <go:slidesCustomData xmlns:go="http://customooxmlschemas.google.com/" xmlns:ahyp="http://schemas.microsoft.com/office/drawing/2018/hyperlinkcolor" xmlns:p15="http://schemas.microsoft.com/office/powerpoint/2012/main" xmlns:p14="http://schemas.microsoft.com/office/powerpoint/2010/main" xmlns:com="http://schemas.openxmlformats.org/drawingml/2006/compatibility" xmlns:pvml="urn:schemas-microsoft-com:office:powerpoint" xmlns:v="urn:schemas-microsoft-com:vml" xmlns:o="urn:schemas-microsoft-com:office:office" xmlns:dgm="http://schemas.openxmlformats.org/drawingml/2006/diagram" xmlns:c="http://schemas.openxmlformats.org/drawingml/2006/chart" xmlns:mv="urn:schemas-microsoft-com:mac:vml" xmlns:mc="http://schemas.openxmlformats.org/markup-compatibility/2006" xmlns="" r:id="rId21" roundtripDataSignature="AMtx7mjOmBtk5DbvnkierGKxpb4ZbKw0WQ=="/>
     </p:ext>
   </p:extLst>
 </p:presentation>
@@ -12184,10 +12184,10 @@
       </p:sp>
       <p:pic>
         <p:nvPicPr>
-          <p:cNvPr id="2" name="Picture 1">
+          <p:cNvPr id="6" name="Picture 5">
             <a:extLst>
               <a:ext uri="{FF2B5EF4-FFF2-40B4-BE49-F238E27FC236}">
-                <a16:creationId xmlns:a16="http://schemas.microsoft.com/office/drawing/2014/main" id="{1587EC01-1705-51A6-8988-F360DA77D595}"/>
+                <a16:creationId xmlns:a16="http://schemas.microsoft.com/office/drawing/2014/main" id="{C91350F1-EA0A-1A1E-B77F-87FF84DD5800}"/>
               </a:ext>
             </a:extLst>
           </p:cNvPr>
@@ -12204,8 +12204,8 @@
         </p:blipFill>
         <p:spPr>
           <a:xfrm>
-            <a:off x="307975" y="1266825"/>
-            <a:ext cx="4016374" cy="4958180"/>
+            <a:off x="301623" y="1266825"/>
+            <a:ext cx="4022726" cy="4972050"/>
           </a:xfrm>
           <a:prstGeom prst="rect">
             <a:avLst/>
@@ -12516,10 +12516,10 @@
       </p:sp>
       <p:pic>
         <p:nvPicPr>
-          <p:cNvPr id="6" name="Picture 5">
+          <p:cNvPr id="3" name="Picture 2">
             <a:extLst>
               <a:ext uri="{FF2B5EF4-FFF2-40B4-BE49-F238E27FC236}">
-                <a16:creationId xmlns:a16="http://schemas.microsoft.com/office/drawing/2014/main" id="{E20BF367-9E19-E1BE-C2C1-0AC8D6EF1EF5}"/>
+                <a16:creationId xmlns:a16="http://schemas.microsoft.com/office/drawing/2014/main" id="{5AC775D1-A45B-668E-4CA7-320619CB0246}"/>
               </a:ext>
             </a:extLst>
           </p:cNvPr>
@@ -12536,8 +12536,8 @@
         </p:blipFill>
         <p:spPr>
           <a:xfrm>
-            <a:off x="132585" y="1266824"/>
-            <a:ext cx="4293367" cy="4991101"/>
+            <a:off x="118542" y="1266824"/>
+            <a:ext cx="4205807" cy="4829175"/>
           </a:xfrm>
           <a:prstGeom prst="rect">
             <a:avLst/>
@@ -12835,10 +12835,10 @@
       </p:sp>
       <p:pic>
         <p:nvPicPr>
-          <p:cNvPr id="3" name="Picture 2">
+          <p:cNvPr id="6" name="Picture 5">
             <a:extLst>
               <a:ext uri="{FF2B5EF4-FFF2-40B4-BE49-F238E27FC236}">
-                <a16:creationId xmlns:a16="http://schemas.microsoft.com/office/drawing/2014/main" id="{8EAC4B66-957C-C72F-EA3D-51945EC287DA}"/>
+                <a16:creationId xmlns:a16="http://schemas.microsoft.com/office/drawing/2014/main" id="{091CD419-3BAD-4B25-B56B-43AE46BB3991}"/>
               </a:ext>
             </a:extLst>
           </p:cNvPr>
@@ -12855,8 +12855,8 @@
         </p:blipFill>
         <p:spPr>
           <a:xfrm>
-            <a:off x="341364" y="1266825"/>
-            <a:ext cx="3982986" cy="4943475"/>
+            <a:off x="175696" y="1104610"/>
+            <a:ext cx="4148653" cy="5029490"/>
           </a:xfrm>
           <a:prstGeom prst="rect">
             <a:avLst/>
@@ -13187,10 +13187,10 @@
       </p:sp>
       <p:pic>
         <p:nvPicPr>
-          <p:cNvPr id="6" name="Picture 5">
+          <p:cNvPr id="3" name="Picture 2">
             <a:extLst>
               <a:ext uri="{FF2B5EF4-FFF2-40B4-BE49-F238E27FC236}">
-                <a16:creationId xmlns:a16="http://schemas.microsoft.com/office/drawing/2014/main" id="{C2D1A6B6-9D52-B377-663D-D337C7FBB5CA}"/>
+                <a16:creationId xmlns:a16="http://schemas.microsoft.com/office/drawing/2014/main" id="{106F1B96-7B36-1A9B-75AB-57E6B56CFC37}"/>
               </a:ext>
             </a:extLst>
           </p:cNvPr>
@@ -13207,8 +13207,8 @@
         </p:blipFill>
         <p:spPr>
           <a:xfrm>
-            <a:off x="454023" y="1205893"/>
-            <a:ext cx="3870326" cy="4994882"/>
+            <a:off x="118541" y="1266824"/>
+            <a:ext cx="4015310" cy="4886325"/>
           </a:xfrm>
           <a:prstGeom prst="rect">
             <a:avLst/>
@@ -13885,7 +13885,7 @@
             </a:r>
             <a:r>
               <a:rPr lang="en-US" dirty="0"/>
-              <a:t>Insight: “Prefer not to say” group leads in revenue and volume; current marketing is too gender-targeted.</a:t>
+              <a:t>Insight: “General” products group leads in revenue and volume; current marketing is too gender-targeted.</a:t>
             </a:r>
           </a:p>
           <a:p>
@@ -15558,7 +15558,7 @@
             </a:pPr>
             <a:r>
               <a:rPr lang="en-US" dirty="0"/>
-              <a:t>Replacing Values: In Power Query, we replaced "Unknown" with "Prefer not to say.“ to make data more respectful and clearer</a:t>
+              <a:t>Replacing Values: In Power Query, we replaced "Unknown" with “General“ to make data more respectful and clearer</a:t>
             </a:r>
           </a:p>
           <a:p>
@@ -15579,7 +15579,15 @@
             </a:r>
             <a:r>
               <a:rPr lang="en-US" dirty="0"/>
-              <a:t> renamed one column to "Supplier Lead Time" and the other to "Shipping Lead Time.“</a:t>
+              <a:t> renamed one column to “</a:t>
+            </a:r>
+            <a:r>
+              <a:rPr lang="en-US" dirty="0" err="1"/>
+              <a:t>Refil</a:t>
+            </a:r>
+            <a:r>
+              <a:rPr lang="en-US" dirty="0"/>
+              <a:t> Lead Time" and the other to “Processing Lead Time.“</a:t>
             </a:r>
           </a:p>
           <a:p>
@@ -15886,7 +15894,7 @@
         <p:spPr>
           <a:xfrm>
             <a:off x="4273552" y="2158394"/>
-            <a:ext cx="7464425" cy="2826223"/>
+            <a:ext cx="7464425" cy="1964449"/>
           </a:xfrm>
           <a:prstGeom prst="rect">
             <a:avLst/>
@@ -15927,20 +15935,23 @@
             </a:pPr>
             <a:r>
               <a:rPr lang="en-US" dirty="0"/>
-              <a:t>Normalized the flat table into multiple logical tables :Product, Suppliers, Shipping, Sales, Manufacturing, Customer, and Inventory.</a:t>
-            </a:r>
-          </a:p>
-          <a:p>
-            <a:pPr marL="285750" indent="-285750">
-              <a:lnSpc>
-                <a:spcPct val="200000"/>
-              </a:lnSpc>
-              <a:buFont typeface="Arial" panose="020B0604020202020204" pitchFamily="34" charset="0"/>
-              <a:buChar char="•"/>
-            </a:pPr>
+              <a:t>Normalized the flat table into multiple logical folders :Product, Suppliers, Shipping, Sales, </a:t>
+            </a:r>
+            <a:r>
+              <a:rPr lang="en-US" dirty="0" err="1"/>
+              <a:t>Manufacturing,and</a:t>
+            </a:r>
             <a:r>
               <a:rPr lang="en-US" dirty="0"/>
-              <a:t>Defined clear relationships between tables using Primary and Foreign keys (e.g., SKU, Supplier ID).</a:t>
+              <a:t> </a:t>
+            </a:r>
+            <a:r>
+              <a:rPr lang="en-US" dirty="0" err="1"/>
+              <a:t>refil</a:t>
+            </a:r>
+            <a:r>
+              <a:rPr lang="en-US" dirty="0"/>
+              <a:t>.</a:t>
             </a:r>
           </a:p>
           <a:p>
@@ -15960,10 +15971,10 @@
       </p:sp>
       <p:pic>
         <p:nvPicPr>
-          <p:cNvPr id="3" name="Picture 2">
+          <p:cNvPr id="6" name="Picture 5">
             <a:extLst>
               <a:ext uri="{FF2B5EF4-FFF2-40B4-BE49-F238E27FC236}">
-                <a16:creationId xmlns:a16="http://schemas.microsoft.com/office/drawing/2014/main" id="{3722E8D8-1B36-181E-8EDD-FD41472B4D2A}"/>
+                <a16:creationId xmlns:a16="http://schemas.microsoft.com/office/drawing/2014/main" id="{D9EB7700-F054-2B2A-533E-A531F641F4B9}"/>
               </a:ext>
             </a:extLst>
           </p:cNvPr>
@@ -15980,8 +15991,8 @@
         </p:blipFill>
         <p:spPr>
           <a:xfrm>
-            <a:off x="247335" y="1266825"/>
-            <a:ext cx="3943665" cy="4886325"/>
+            <a:off x="676274" y="1266825"/>
+            <a:ext cx="2867025" cy="4886325"/>
           </a:xfrm>
           <a:prstGeom prst="rect">
             <a:avLst/>
@@ -16146,7 +16157,7 @@
         <p:spPr>
           <a:xfrm>
             <a:off x="4152899" y="1841921"/>
-            <a:ext cx="3752851" cy="3930371"/>
+            <a:ext cx="3752851" cy="3607206"/>
           </a:xfrm>
           <a:prstGeom prst="rect">
             <a:avLst/>
@@ -16241,7 +16252,7 @@
             </a:pPr>
             <a:r>
               <a:rPr lang="en-US" dirty="0"/>
-              <a:t>Trans. Cost,</a:t>
+              <a:t>Raw material. Cost,</a:t>
             </a:r>
           </a:p>
           <a:p>
@@ -16254,28 +16265,7 @@
             </a:pPr>
             <a:r>
               <a:rPr lang="en-US" dirty="0"/>
-              <a:t>Most </a:t>
-            </a:r>
-            <a:r>
-              <a:rPr lang="en-US" dirty="0" err="1"/>
-              <a:t>CommonTrans</a:t>
-            </a:r>
-            <a:r>
-              <a:rPr lang="en-US" dirty="0"/>
-              <a:t>. Mode, </a:t>
-            </a:r>
-          </a:p>
-          <a:p>
-            <a:pPr marL="285750" indent="-285750">
-              <a:lnSpc>
-                <a:spcPct val="150000"/>
-              </a:lnSpc>
-              <a:buFontTx/>
-              <a:buChar char="-"/>
-            </a:pPr>
-            <a:r>
-              <a:rPr lang="en-US" dirty="0"/>
-              <a:t>max Defect rates by supplier.</a:t>
+              <a:t> Defect rates by supplier.</a:t>
             </a:r>
           </a:p>
           <a:p>
@@ -16316,7 +16306,7 @@
         <p:spPr>
           <a:xfrm>
             <a:off x="7905751" y="1841921"/>
-            <a:ext cx="3660776" cy="2960875"/>
+            <a:ext cx="3660776" cy="2637710"/>
           </a:xfrm>
           <a:prstGeom prst="rect">
             <a:avLst/>
@@ -16377,7 +16367,7 @@
             </a:pPr>
             <a:r>
               <a:rPr lang="en-US" dirty="0"/>
-              <a:t>Supplier Performance variability</a:t>
+              <a:t>Supplier Reliability Score </a:t>
             </a:r>
           </a:p>
           <a:p>
@@ -16390,19 +16380,6 @@
             </a:pPr>
             <a:r>
               <a:rPr lang="en-US" dirty="0"/>
-              <a:t>Supplier Reliability Score </a:t>
-            </a:r>
-          </a:p>
-          <a:p>
-            <a:pPr marL="285750" indent="-285750">
-              <a:lnSpc>
-                <a:spcPct val="150000"/>
-              </a:lnSpc>
-              <a:buFontTx/>
-              <a:buChar char="-"/>
-            </a:pPr>
-            <a:r>
-              <a:rPr lang="en-US" dirty="0"/>
               <a:t>Inspection Faliure Rate</a:t>
             </a:r>
           </a:p>
@@ -16429,7 +16406,7 @@
             </a:pPr>
             <a:r>
               <a:rPr lang="en-US" dirty="0"/>
-              <a:t> Sales Statistical Calculations</a:t>
+              <a:t> total lead time Statistical Calculations</a:t>
             </a:r>
           </a:p>
           <a:p>
@@ -16442,17 +16419,17 @@
             </a:pPr>
             <a:r>
               <a:rPr lang="en-US" dirty="0"/>
-              <a:t>Revenue Statistical Calculations</a:t>
+              <a:t>Refill lead time Calculations</a:t>
             </a:r>
           </a:p>
         </p:txBody>
       </p:sp>
       <p:pic>
         <p:nvPicPr>
-          <p:cNvPr id="3" name="Picture 2">
+          <p:cNvPr id="6" name="Picture 5">
             <a:extLst>
               <a:ext uri="{FF2B5EF4-FFF2-40B4-BE49-F238E27FC236}">
-                <a16:creationId xmlns:a16="http://schemas.microsoft.com/office/drawing/2014/main" id="{6DC7BE5C-DA04-A572-AF7E-99C0E04D049C}"/>
+                <a16:creationId xmlns:a16="http://schemas.microsoft.com/office/drawing/2014/main" id="{EF31C5D0-B88F-56E1-23E7-FDA6CD6CE94C}"/>
               </a:ext>
             </a:extLst>
           </p:cNvPr>
@@ -16469,8 +16446,8 @@
         </p:blipFill>
         <p:spPr>
           <a:xfrm>
-            <a:off x="485775" y="1406806"/>
-            <a:ext cx="3486149" cy="4800600"/>
+            <a:off x="321218" y="1428749"/>
+            <a:ext cx="3660776" cy="4765537"/>
           </a:xfrm>
           <a:prstGeom prst="rect">
             <a:avLst/>
@@ -17650,10 +17627,10 @@
       </p:sp>
       <p:pic>
         <p:nvPicPr>
-          <p:cNvPr id="8" name="Picture 7">
+          <p:cNvPr id="3" name="Picture 2">
             <a:extLst>
               <a:ext uri="{FF2B5EF4-FFF2-40B4-BE49-F238E27FC236}">
-                <a16:creationId xmlns:a16="http://schemas.microsoft.com/office/drawing/2014/main" id="{A3F7D891-AAF2-00F6-0461-5005FF1A61F9}"/>
+                <a16:creationId xmlns:a16="http://schemas.microsoft.com/office/drawing/2014/main" id="{0AEA9904-6DA0-A022-2467-E11A26FCA24C}"/>
               </a:ext>
             </a:extLst>
           </p:cNvPr>
@@ -17670,8 +17647,8 @@
         </p:blipFill>
         <p:spPr>
           <a:xfrm>
-            <a:off x="242627" y="1266825"/>
-            <a:ext cx="3724795" cy="4981895"/>
+            <a:off x="361434" y="1104609"/>
+            <a:ext cx="3839091" cy="5115216"/>
           </a:xfrm>
           <a:prstGeom prst="rect">
             <a:avLst/>
@@ -17983,10 +17960,10 @@
       </p:sp>
       <p:pic>
         <p:nvPicPr>
-          <p:cNvPr id="3" name="Picture 2">
+          <p:cNvPr id="6" name="Picture 5">
             <a:extLst>
               <a:ext uri="{FF2B5EF4-FFF2-40B4-BE49-F238E27FC236}">
-                <a16:creationId xmlns:a16="http://schemas.microsoft.com/office/drawing/2014/main" id="{FA98CD3F-B84B-8B76-112E-FA2698E17CC8}"/>
+                <a16:creationId xmlns:a16="http://schemas.microsoft.com/office/drawing/2014/main" id="{AFE92F47-F6B0-5F70-A589-F2485E383B5C}"/>
               </a:ext>
             </a:extLst>
           </p:cNvPr>
@@ -18003,8 +17980,8 @@
         </p:blipFill>
         <p:spPr>
           <a:xfrm>
-            <a:off x="454023" y="1266825"/>
-            <a:ext cx="3870325" cy="4781550"/>
+            <a:off x="142352" y="1266825"/>
+            <a:ext cx="4181997" cy="4962525"/>
           </a:xfrm>
           <a:prstGeom prst="rect">
             <a:avLst/>
